--- a/docs/MSBD5014_IP_pre.pptx
+++ b/docs/MSBD5014_IP_pre.pptx
@@ -726,7 +726,7 @@
           <a:p>
             <a:fld id="{3678B995-4818-4CC4-9904-7C51E69FE1E0}" type="datetimeFigureOut">
               <a:rPr lang="zh-CN" altLang="en-US" smtClean="0"/>
-              <a:t>2023/12/17</a:t>
+              <a:t>2023/12/18</a:t>
             </a:fld>
             <a:endParaRPr lang="zh-CN" altLang="en-US"/>
           </a:p>
@@ -1348,7 +1348,7 @@
           <a:p>
             <a:r>
               <a:rPr lang="en-US" altLang="zh-CN" dirty="0"/>
-              <a:t>A recent work unveils that those parameters which remain stable during finetuning on several domains are also crucial for models’ performance and called them core linguistic region.</a:t>
+              <a:t>A recent work from FDU unveils that those parameters which remain stable during finetuning on several domains are also crucial for models’ performance and called them core linguistic region.</a:t>
             </a:r>
           </a:p>
           <a:p>
@@ -1738,7 +1738,7 @@
           <a:p>
             <a:r>
               <a:rPr lang="en-US" altLang="zh-CN" dirty="0"/>
-              <a:t>To achieve a LLM with general Language modeling ability and being compatible to domain specific jobs, we proposed a weighting strategy with </a:t>
+              <a:t>To achieve a LLM with general Language modeling ability and being compatible with domain specific jobs, we proposed a weighting strategy with </a:t>
             </a:r>
             <a:r>
               <a:rPr lang="en-US" altLang="zh-CN" dirty="0" err="1"/>
@@ -1952,7 +1952,7 @@
             </a:r>
             <a:r>
               <a:rPr lang="en-US" altLang="zh-CN" dirty="0"/>
-              <a:t> can be used for calibration to improve the model’s performance.</a:t>
+              <a:t> can be reused for calibration to improve the model’s performance.</a:t>
             </a:r>
           </a:p>
         </p:txBody>
@@ -2256,7 +2256,7 @@
           <a:p>
             <a:r>
               <a:rPr lang="en-US" altLang="zh-CN" dirty="0"/>
-              <a:t>The degradation may be caused by errors of those core region params.</a:t>
+              <a:t>I think the degradation may be caused by errors of those core region params.</a:t>
             </a:r>
           </a:p>
           <a:p>
@@ -2358,15 +2358,7 @@
           <a:p>
             <a:r>
               <a:rPr lang="en-US" altLang="zh-CN" dirty="0"/>
-              <a:t>Besides the evaluation of LEGO, I will also compare it </a:t>
-            </a:r>
-            <a:r>
-              <a:rPr lang="en-US" altLang="zh-CN"/>
-              <a:t>with methods </a:t>
-            </a:r>
-            <a:r>
-              <a:rPr lang="en-US" altLang="zh-CN" dirty="0"/>
-              <a:t>mentioned in the survey in the aspects of compress ratio and speedup and conduct ablation study to validate </a:t>
+              <a:t>Besides the evaluation of LEGO, I will also compare it with methods mentioned in the survey in the aspects of compress ratio and speedup and conduct ablation study to validate </a:t>
             </a:r>
             <a:r>
               <a:rPr lang="en-US" altLang="zh-CN" dirty="0" err="1"/>
@@ -2658,7 +2650,7 @@
           <a:p>
             <a:r>
               <a:rPr lang="en-US" altLang="zh-CN" dirty="0"/>
-              <a:t>For an example, quantization is to reduce the bits, UP to convert the model to a sparse one, SP and KD try to achieve a model of smaller scale and Low-rank approximation utilize multiplication of two smaller matrices to represent the original one.</a:t>
+              <a:t>For an example, quantization is to reduce the bits, UP to convert the model to a sparse one just remaining the crucial params, SP and KD try to achieve a model of smaller scale and Low-rank approximation utilize multiplication of two smaller matrices to represent the original one.</a:t>
             </a:r>
           </a:p>
         </p:txBody>
@@ -3052,7 +3044,15 @@
           <a:p>
             <a:r>
               <a:rPr lang="en-US" altLang="zh-CN" dirty="0"/>
-              <a:t>The reason why we expect matrices to be low-ranked is because the approximation algorithm as shown on the right side.</a:t>
+              <a:t>The reason why we expect matrices to be low-ranked is because </a:t>
+            </a:r>
+            <a:r>
+              <a:rPr lang="en-US" altLang="zh-CN"/>
+              <a:t>the algorithm </a:t>
+            </a:r>
+            <a:r>
+              <a:rPr lang="en-US" altLang="zh-CN" dirty="0"/>
+              <a:t>as shown on the right side.</a:t>
             </a:r>
           </a:p>
           <a:p>
@@ -3345,7 +3345,7 @@
           <a:p>
             <a:fld id="{D997B5FA-0921-464F-AAE1-844C04324D75}" type="datetimeFigureOut">
               <a:rPr lang="zh-CN" altLang="en-US" smtClean="0"/>
-              <a:t>2023/12/17</a:t>
+              <a:t>2023/12/18</a:t>
             </a:fld>
             <a:endParaRPr lang="zh-CN" altLang="en-US"/>
           </a:p>
@@ -3521,7 +3521,7 @@
           <a:p>
             <a:fld id="{D997B5FA-0921-464F-AAE1-844C04324D75}" type="datetimeFigureOut">
               <a:rPr lang="zh-CN" altLang="en-US" smtClean="0"/>
-              <a:t>2023/12/17</a:t>
+              <a:t>2023/12/18</a:t>
             </a:fld>
             <a:endParaRPr lang="zh-CN" altLang="en-US"/>
           </a:p>
@@ -3707,7 +3707,7 @@
           <a:p>
             <a:fld id="{D997B5FA-0921-464F-AAE1-844C04324D75}" type="datetimeFigureOut">
               <a:rPr lang="zh-CN" altLang="en-US" smtClean="0"/>
-              <a:t>2023/12/17</a:t>
+              <a:t>2023/12/18</a:t>
             </a:fld>
             <a:endParaRPr lang="zh-CN" altLang="en-US"/>
           </a:p>
@@ -3921,7 +3921,7 @@
           <a:p>
             <a:fld id="{D997B5FA-0921-464F-AAE1-844C04324D75}" type="datetimeFigureOut">
               <a:rPr lang="zh-CN" altLang="en-US" smtClean="0"/>
-              <a:t>2023/12/17</a:t>
+              <a:t>2023/12/18</a:t>
             </a:fld>
             <a:endParaRPr lang="zh-CN" altLang="en-US"/>
           </a:p>
@@ -4174,7 +4174,7 @@
           <a:p>
             <a:fld id="{D997B5FA-0921-464F-AAE1-844C04324D75}" type="datetimeFigureOut">
               <a:rPr lang="zh-CN" altLang="en-US" smtClean="0"/>
-              <a:t>2023/12/17</a:t>
+              <a:t>2023/12/18</a:t>
             </a:fld>
             <a:endParaRPr lang="zh-CN" altLang="en-US"/>
           </a:p>
@@ -4411,7 +4411,7 @@
           <a:p>
             <a:fld id="{D997B5FA-0921-464F-AAE1-844C04324D75}" type="datetimeFigureOut">
               <a:rPr lang="zh-CN" altLang="en-US" smtClean="0"/>
-              <a:t>2023/12/17</a:t>
+              <a:t>2023/12/18</a:t>
             </a:fld>
             <a:endParaRPr lang="zh-CN" altLang="en-US"/>
           </a:p>
@@ -4783,7 +4783,7 @@
           <a:p>
             <a:fld id="{D997B5FA-0921-464F-AAE1-844C04324D75}" type="datetimeFigureOut">
               <a:rPr lang="zh-CN" altLang="en-US" smtClean="0"/>
-              <a:t>2023/12/17</a:t>
+              <a:t>2023/12/18</a:t>
             </a:fld>
             <a:endParaRPr lang="zh-CN" altLang="en-US"/>
           </a:p>
@@ -4908,7 +4908,7 @@
           <a:p>
             <a:fld id="{D997B5FA-0921-464F-AAE1-844C04324D75}" type="datetimeFigureOut">
               <a:rPr lang="zh-CN" altLang="en-US" smtClean="0"/>
-              <a:t>2023/12/17</a:t>
+              <a:t>2023/12/18</a:t>
             </a:fld>
             <a:endParaRPr lang="zh-CN" altLang="en-US"/>
           </a:p>
@@ -5011,7 +5011,7 @@
           <a:p>
             <a:fld id="{D997B5FA-0921-464F-AAE1-844C04324D75}" type="datetimeFigureOut">
               <a:rPr lang="zh-CN" altLang="en-US" smtClean="0"/>
-              <a:t>2023/12/17</a:t>
+              <a:t>2023/12/18</a:t>
             </a:fld>
             <a:endParaRPr lang="zh-CN" altLang="en-US"/>
           </a:p>
@@ -5294,7 +5294,7 @@
           <a:p>
             <a:fld id="{D997B5FA-0921-464F-AAE1-844C04324D75}" type="datetimeFigureOut">
               <a:rPr lang="zh-CN" altLang="en-US" smtClean="0"/>
-              <a:t>2023/12/17</a:t>
+              <a:t>2023/12/18</a:t>
             </a:fld>
             <a:endParaRPr lang="zh-CN" altLang="en-US"/>
           </a:p>
@@ -5554,7 +5554,7 @@
           <a:p>
             <a:fld id="{D997B5FA-0921-464F-AAE1-844C04324D75}" type="datetimeFigureOut">
               <a:rPr lang="zh-CN" altLang="en-US" smtClean="0"/>
-              <a:t>2023/12/17</a:t>
+              <a:t>2023/12/18</a:t>
             </a:fld>
             <a:endParaRPr lang="zh-CN" altLang="en-US"/>
           </a:p>
@@ -5773,7 +5773,7 @@
           <a:p>
             <a:fld id="{D997B5FA-0921-464F-AAE1-844C04324D75}" type="datetimeFigureOut">
               <a:rPr lang="zh-CN" altLang="en-US" smtClean="0"/>
-              <a:t>2023/12/17</a:t>
+              <a:t>2023/12/18</a:t>
             </a:fld>
             <a:endParaRPr lang="zh-CN" altLang="en-US"/>
           </a:p>
@@ -8821,11 +8821,11 @@
   <p:clrMapOvr>
     <a:masterClrMapping/>
   </p:clrMapOvr>
-  <mc:AlternateContent xmlns:mc="http://schemas.openxmlformats.org/markup-compatibility/2006">
-    <mc:Choice xmlns:p14="http://schemas.microsoft.com/office/powerpoint/2010/main" Requires="p14">
+  <mc:AlternateContent xmlns:mc="http://schemas.openxmlformats.org/markup-compatibility/2006" xmlns:p14="http://schemas.microsoft.com/office/powerpoint/2010/main">
+    <mc:Choice Requires="p14">
       <p:transition p14:dur="0" advTm="3000"/>
     </mc:Choice>
-    <mc:Fallback>
+    <mc:Fallback xmlns="">
       <p:transition advTm="3000"/>
     </mc:Fallback>
   </mc:AlternateContent>
@@ -11865,11 +11865,11 @@
   <p:clrMapOvr>
     <a:masterClrMapping/>
   </p:clrMapOvr>
-  <mc:AlternateContent xmlns:mc="http://schemas.openxmlformats.org/markup-compatibility/2006">
-    <mc:Choice xmlns:p14="http://schemas.microsoft.com/office/powerpoint/2010/main" Requires="p14">
+  <mc:AlternateContent xmlns:mc="http://schemas.openxmlformats.org/markup-compatibility/2006" xmlns:p14="http://schemas.microsoft.com/office/powerpoint/2010/main">
+    <mc:Choice Requires="p14">
       <p:transition p14:dur="0" advTm="3000"/>
     </mc:Choice>
-    <mc:Fallback>
+    <mc:Fallback xmlns="">
       <p:transition advTm="3000"/>
     </mc:Fallback>
   </mc:AlternateContent>
@@ -15571,11 +15571,11 @@
   <p:clrMapOvr>
     <a:masterClrMapping/>
   </p:clrMapOvr>
-  <mc:AlternateContent xmlns:mc="http://schemas.openxmlformats.org/markup-compatibility/2006">
-    <mc:Choice xmlns:p14="http://schemas.microsoft.com/office/powerpoint/2010/main" Requires="p14">
+  <mc:AlternateContent xmlns:mc="http://schemas.openxmlformats.org/markup-compatibility/2006" xmlns:p14="http://schemas.microsoft.com/office/powerpoint/2010/main">
+    <mc:Choice Requires="p14">
       <p:transition p14:dur="0" advTm="3000"/>
     </mc:Choice>
-    <mc:Fallback>
+    <mc:Fallback xmlns="">
       <p:transition advTm="3000"/>
     </mc:Fallback>
   </mc:AlternateContent>
@@ -19907,11 +19907,11 @@
   <p:clrMapOvr>
     <a:masterClrMapping/>
   </p:clrMapOvr>
-  <mc:AlternateContent xmlns:mc="http://schemas.openxmlformats.org/markup-compatibility/2006">
-    <mc:Choice xmlns:p14="http://schemas.microsoft.com/office/powerpoint/2010/main" Requires="p14">
+  <mc:AlternateContent xmlns:mc="http://schemas.openxmlformats.org/markup-compatibility/2006" xmlns:p14="http://schemas.microsoft.com/office/powerpoint/2010/main">
+    <mc:Choice Requires="p14">
       <p:transition p14:dur="0" advTm="3000"/>
     </mc:Choice>
-    <mc:Fallback>
+    <mc:Fallback xmlns="">
       <p:transition advTm="3000"/>
     </mc:Fallback>
   </mc:AlternateContent>
